--- a/PowerPoint.pptx
+++ b/PowerPoint.pptx
@@ -447,7 +447,7 @@
           <a:p>
             <a:fld id="{EEF51E96-AE5F-4C16-9280-284238EB2E80}" type="datetimeFigureOut">
               <a:rPr lang="en-US" smtClean="0"/>
-              <a:t>12/21/18</a:t>
+              <a:t>5/9/2019</a:t>
             </a:fld>
             <a:endParaRPr lang="en-US"/>
           </a:p>
@@ -714,7 +714,7 @@
           <a:p>
             <a:fld id="{EEF51E96-AE5F-4C16-9280-284238EB2E80}" type="datetimeFigureOut">
               <a:rPr lang="en-US" smtClean="0"/>
-              <a:t>12/21/18</a:t>
+              <a:t>5/9/2019</a:t>
             </a:fld>
             <a:endParaRPr lang="en-US"/>
           </a:p>
@@ -945,7 +945,7 @@
           <a:p>
             <a:fld id="{EEF51E96-AE5F-4C16-9280-284238EB2E80}" type="datetimeFigureOut">
               <a:rPr lang="en-US" smtClean="0"/>
-              <a:t>12/21/18</a:t>
+              <a:t>5/9/2019</a:t>
             </a:fld>
             <a:endParaRPr lang="en-US"/>
           </a:p>
@@ -1255,7 +1255,7 @@
           <a:p>
             <a:fld id="{EEF51E96-AE5F-4C16-9280-284238EB2E80}" type="datetimeFigureOut">
               <a:rPr lang="en-US" smtClean="0"/>
-              <a:t>12/21/18</a:t>
+              <a:t>5/9/2019</a:t>
             </a:fld>
             <a:endParaRPr lang="en-US"/>
           </a:p>
@@ -1728,7 +1728,7 @@
           <a:p>
             <a:fld id="{EEF51E96-AE5F-4C16-9280-284238EB2E80}" type="datetimeFigureOut">
               <a:rPr lang="en-US" smtClean="0"/>
-              <a:t>12/21/18</a:t>
+              <a:t>5/9/2019</a:t>
             </a:fld>
             <a:endParaRPr lang="en-US"/>
           </a:p>
@@ -2275,7 +2275,7 @@
           <a:p>
             <a:fld id="{EEF51E96-AE5F-4C16-9280-284238EB2E80}" type="datetimeFigureOut">
               <a:rPr lang="en-US" smtClean="0"/>
-              <a:t>12/21/18</a:t>
+              <a:t>5/9/2019</a:t>
             </a:fld>
             <a:endParaRPr lang="en-US"/>
           </a:p>
@@ -3049,7 +3049,7 @@
           <a:p>
             <a:fld id="{EEF51E96-AE5F-4C16-9280-284238EB2E80}" type="datetimeFigureOut">
               <a:rPr lang="en-US" smtClean="0"/>
-              <a:t>12/21/18</a:t>
+              <a:t>5/9/2019</a:t>
             </a:fld>
             <a:endParaRPr lang="en-US"/>
           </a:p>
@@ -3224,7 +3224,7 @@
           <a:p>
             <a:fld id="{EEF51E96-AE5F-4C16-9280-284238EB2E80}" type="datetimeFigureOut">
               <a:rPr lang="en-US" smtClean="0"/>
-              <a:t>12/21/18</a:t>
+              <a:t>5/9/2019</a:t>
             </a:fld>
             <a:endParaRPr lang="en-US"/>
           </a:p>
@@ -3447,7 +3447,7 @@
           <a:p>
             <a:fld id="{EEF51E96-AE5F-4C16-9280-284238EB2E80}" type="datetimeFigureOut">
               <a:rPr lang="en-US" smtClean="0"/>
-              <a:t>12/21/18</a:t>
+              <a:t>5/9/2019</a:t>
             </a:fld>
             <a:endParaRPr lang="en-US"/>
           </a:p>
@@ -3627,7 +3627,7 @@
           <a:p>
             <a:fld id="{EEF51E96-AE5F-4C16-9280-284238EB2E80}" type="datetimeFigureOut">
               <a:rPr lang="en-US" smtClean="0"/>
-              <a:t>12/21/18</a:t>
+              <a:t>5/9/2019</a:t>
             </a:fld>
             <a:endParaRPr lang="en-US"/>
           </a:p>
@@ -3916,7 +3916,7 @@
           <a:p>
             <a:fld id="{EEF51E96-AE5F-4C16-9280-284238EB2E80}" type="datetimeFigureOut">
               <a:rPr lang="en-US" smtClean="0"/>
-              <a:t>12/21/18</a:t>
+              <a:t>5/9/2019</a:t>
             </a:fld>
             <a:endParaRPr lang="en-US"/>
           </a:p>
@@ -4158,7 +4158,7 @@
           <a:p>
             <a:fld id="{EEF51E96-AE5F-4C16-9280-284238EB2E80}" type="datetimeFigureOut">
               <a:rPr lang="en-US" smtClean="0"/>
-              <a:t>12/21/18</a:t>
+              <a:t>5/9/2019</a:t>
             </a:fld>
             <a:endParaRPr lang="en-US"/>
           </a:p>
@@ -4537,7 +4537,7 @@
           <a:p>
             <a:fld id="{EEF51E96-AE5F-4C16-9280-284238EB2E80}" type="datetimeFigureOut">
               <a:rPr lang="en-US" smtClean="0"/>
-              <a:t>12/21/18</a:t>
+              <a:t>5/9/2019</a:t>
             </a:fld>
             <a:endParaRPr lang="en-US"/>
           </a:p>
@@ -4655,7 +4655,7 @@
           <a:p>
             <a:fld id="{EEF51E96-AE5F-4C16-9280-284238EB2E80}" type="datetimeFigureOut">
               <a:rPr lang="en-US" smtClean="0"/>
-              <a:t>12/21/18</a:t>
+              <a:t>5/9/2019</a:t>
             </a:fld>
             <a:endParaRPr lang="en-US"/>
           </a:p>
@@ -4750,7 +4750,7 @@
           <a:p>
             <a:fld id="{EEF51E96-AE5F-4C16-9280-284238EB2E80}" type="datetimeFigureOut">
               <a:rPr lang="en-US" smtClean="0"/>
-              <a:t>12/21/18</a:t>
+              <a:t>5/9/2019</a:t>
             </a:fld>
             <a:endParaRPr lang="en-US"/>
           </a:p>
@@ -4999,7 +4999,7 @@
           <a:p>
             <a:fld id="{EEF51E96-AE5F-4C16-9280-284238EB2E80}" type="datetimeFigureOut">
               <a:rPr lang="en-US" smtClean="0"/>
-              <a:t>12/21/18</a:t>
+              <a:t>5/9/2019</a:t>
             </a:fld>
             <a:endParaRPr lang="en-US"/>
           </a:p>
@@ -5256,7 +5256,7 @@
           <a:p>
             <a:fld id="{EEF51E96-AE5F-4C16-9280-284238EB2E80}" type="datetimeFigureOut">
               <a:rPr lang="en-US" smtClean="0"/>
-              <a:t>12/21/18</a:t>
+              <a:t>5/9/2019</a:t>
             </a:fld>
             <a:endParaRPr lang="en-US"/>
           </a:p>
@@ -5499,7 +5499,7 @@
           <a:p>
             <a:fld id="{EEF51E96-AE5F-4C16-9280-284238EB2E80}" type="datetimeFigureOut">
               <a:rPr lang="en-US" smtClean="0"/>
-              <a:t>12/21/18</a:t>
+              <a:t>5/9/2019</a:t>
             </a:fld>
             <a:endParaRPr lang="en-US"/>
           </a:p>
@@ -8053,13 +8053,21 @@
           <a:p>
             <a:r>
               <a:rPr lang="en-US" sz="2800" dirty="0"/>
-              <a:t>To analyze the Market cap of the BOVESPA against online consumer spending in Brazil amongst a variety of product categories. We expect overall consumer spending to rise as total market cap rises.</a:t>
-            </a:r>
-          </a:p>
-          <a:p>
+              <a:t>To analyze the Market cap of the BOVESPA against online consumer spending in Brazil amongst a variety of product categories</a:t>
+            </a:r>
+            <a:r>
+              <a:rPr lang="en-US" sz="2800"/>
+              <a:t>. </a:t>
+            </a:r>
+          </a:p>
+          <a:p>
+            <a:r>
+              <a:rPr lang="en-US" sz="2800"/>
+              <a:t>To </a:t>
+            </a:r>
             <a:r>
               <a:rPr lang="en-US" sz="2800" dirty="0"/>
-              <a:t>To observe any economic trends between 2016 and 2018 based on e-commerce spending habits by Brazilian citizens.</a:t>
+              <a:t>observe any economic trends between 2016 and 2018 based on e-commerce spending habits by Brazilian citizens.</a:t>
             </a:r>
           </a:p>
         </p:txBody>
